--- a/soominLeePortfolio.pptx
+++ b/soominLeePortfolio.pptx
@@ -104,6 +104,11 @@
       </a:defRPr>
     </a:lvl9pPr>
   </p:defaultTextStyle>
+  <p:extLst>
+    <p:ext uri="{EFAFB233-063F-42B5-8137-9DF3F51BA10A}">
+      <p15:sldGuideLst xmlns:p15="http://schemas.microsoft.com/office/powerpoint/2012/main"/>
+    </p:ext>
+  </p:extLst>
 </p:presentation>
 </file>
 
@@ -2979,6 +2984,10 @@
           <a:bodyPr/>
           <a:lstStyle/>
           <a:p>
+            <a:r>
+              <a:rPr lang="ko-KR" altLang="en-US" smtClean="0"/>
+              <a:t>수민포트폴리오</a:t>
+            </a:r>
             <a:endParaRPr lang="ko-KR" altLang="en-US"/>
           </a:p>
         </p:txBody>

--- a/soominLeePortfolio.pptx
+++ b/soominLeePortfolio.pptx
@@ -260,7 +260,7 @@
             <a:fld id="{6EE2EBEF-2763-4C01-8F5B-927D475D06F2}" type="datetimeFigureOut">
               <a:rPr lang="ko-KR" altLang="en-US" smtClean="0"/>
               <a:pPr/>
-              <a:t>2017-09-02</a:t>
+              <a:t>2017-09-10</a:t>
             </a:fld>
             <a:endParaRPr lang="ko-KR" altLang="en-US"/>
           </a:p>
@@ -428,7 +428,7 @@
             <a:fld id="{8480A327-FC2A-45BC-BC3A-FB85F40E7187}" type="datetimeFigureOut">
               <a:rPr lang="ko-KR" altLang="en-US" smtClean="0"/>
               <a:pPr/>
-              <a:t>2017-09-02</a:t>
+              <a:t>2017-09-10</a:t>
             </a:fld>
             <a:endParaRPr lang="ko-KR" altLang="en-US"/>
           </a:p>
@@ -4758,11 +4758,7 @@
             </a:r>
             <a:r>
               <a:rPr lang="en-US" altLang="ko-KR" dirty="0" smtClean="0"/>
-              <a:t> </a:t>
-            </a:r>
-            <a:r>
-              <a:rPr lang="en-US" altLang="ko-KR" dirty="0" smtClean="0"/>
-              <a:t>- </a:t>
+              <a:t> - </a:t>
             </a:r>
             <a:r>
               <a:rPr lang="ko-KR" altLang="en-US" dirty="0" smtClean="0"/>
@@ -4773,8 +4769,20 @@
               <a:t>, </a:t>
             </a:r>
             <a:r>
-              <a:rPr lang="ko-KR" altLang="en-US" dirty="0" smtClean="0"/>
-              <a:t>설정 메뉴</a:t>
+              <a:rPr lang="ko-KR" altLang="en-US" dirty="0" err="1" smtClean="0"/>
+              <a:t>푸시알림</a:t>
+            </a:r>
+            <a:r>
+              <a:rPr lang="ko-KR" altLang="en-US" dirty="0" smtClean="0"/>
+              <a:t> 포함한 </a:t>
+            </a:r>
+            <a:r>
+              <a:rPr lang="ko-KR" altLang="en-US" dirty="0" smtClean="0"/>
+              <a:t>설정 </a:t>
+            </a:r>
+            <a:r>
+              <a:rPr lang="ko-KR" altLang="en-US" dirty="0" smtClean="0"/>
+              <a:t>메뉴</a:t>
             </a:r>
             <a:r>
               <a:rPr lang="en-US" altLang="ko-KR" dirty="0"/>
@@ -5763,11 +5771,7 @@
             </a:r>
             <a:r>
               <a:rPr lang="ko-KR" altLang="en-US" dirty="0" smtClean="0"/>
-              <a:t>버전 </a:t>
-            </a:r>
-            <a:r>
-              <a:rPr lang="ko-KR" altLang="en-US" dirty="0" smtClean="0"/>
-              <a:t>개발 진행 중 </a:t>
+              <a:t>버전 개발 진행 중 </a:t>
             </a:r>
             <a:r>
               <a:rPr lang="en-US" altLang="ko-KR" dirty="0" smtClean="0"/>
@@ -5815,11 +5819,7 @@
             </a:r>
             <a:r>
               <a:rPr lang="ko-KR" altLang="en-US" dirty="0" smtClean="0"/>
-              <a:t> </a:t>
-            </a:r>
-            <a:r>
-              <a:rPr lang="ko-KR" altLang="en-US" dirty="0" smtClean="0"/>
-              <a:t>애플리케이션</a:t>
+              <a:t> 애플리케이션</a:t>
             </a:r>
             <a:endParaRPr lang="ko-KR" altLang="en-US" dirty="0"/>
           </a:p>
@@ -5879,19 +5879,11 @@
             </a:r>
             <a:r>
               <a:rPr lang="ko-KR" altLang="en-US" dirty="0" err="1" smtClean="0"/>
-              <a:t>모바일</a:t>
-            </a:r>
-            <a:r>
-              <a:rPr lang="ko-KR" altLang="en-US" dirty="0" err="1" smtClean="0"/>
-              <a:t>로</a:t>
-            </a:r>
-            <a:r>
-              <a:rPr lang="ko-KR" altLang="en-US" dirty="0" smtClean="0"/>
-              <a:t> </a:t>
-            </a:r>
-            <a:r>
-              <a:rPr lang="ko-KR" altLang="en-US" dirty="0" smtClean="0"/>
-              <a:t>접수 번호표 발급이 가능하며</a:t>
+              <a:t>모바일로</a:t>
+            </a:r>
+            <a:r>
+              <a:rPr lang="ko-KR" altLang="en-US" dirty="0" smtClean="0"/>
+              <a:t> 접수 번호표 발급이 가능하며</a:t>
             </a:r>
             <a:endParaRPr lang="en-US" altLang="ko-KR" dirty="0" smtClean="0"/>
           </a:p>
@@ -7074,16 +7066,10 @@
               <a:defRPr/>
             </a:pPr>
             <a:r>
-              <a:rPr lang="ko-KR" altLang="en-US" sz="3000" b="1" dirty="0" smtClean="0">
+              <a:rPr lang="ko-KR" altLang="en-US" sz="3000" b="1" smtClean="0">
                 <a:latin typeface="+mn-ea"/>
               </a:rPr>
-              <a:t>프로젝트 </a:t>
-            </a:r>
-            <a:r>
-              <a:rPr lang="ko-KR" altLang="en-US" sz="3000" b="1" dirty="0">
-                <a:latin typeface="+mn-ea"/>
-              </a:rPr>
-              <a:t>매뉴얼</a:t>
+              <a:t>목차</a:t>
             </a:r>
             <a:endParaRPr lang="en-US" altLang="ko-KR" sz="3000" b="1" dirty="0">
               <a:latin typeface="+mn-ea"/>
@@ -7395,16 +7381,7 @@
                 </a:solidFill>
                 <a:latin typeface="+mn-ea"/>
               </a:rPr>
-              <a:t>    8. </a:t>
-            </a:r>
-            <a:r>
-              <a:rPr lang="en-US" altLang="ko-KR" sz="2400" b="1" dirty="0" smtClean="0">
-                <a:solidFill>
-                  <a:prstClr val="black"/>
-                </a:solidFill>
-                <a:latin typeface="+mn-ea"/>
-              </a:rPr>
-              <a:t>M-</a:t>
+              <a:t>    8. M-</a:t>
             </a:r>
             <a:r>
               <a:rPr lang="en-US" altLang="ko-KR" sz="2400" b="1" dirty="0" err="1" smtClean="0">
@@ -7816,19 +7793,19 @@
             </a:r>
             <a:r>
               <a:rPr lang="ko-KR" altLang="en-US" dirty="0" smtClean="0"/>
-              <a:t>의원에 계신 의사로부터 </a:t>
+              <a:t>의원에 계신 </a:t>
+            </a:r>
+            <a:r>
+              <a:rPr lang="ko-KR" altLang="en-US" smtClean="0"/>
+              <a:t>의사로부터 원격으로 </a:t>
             </a:r>
             <a:r>
               <a:rPr lang="ko-KR" altLang="en-US" dirty="0"/>
-              <a:t>화상으로 진료받을 수 </a:t>
-            </a:r>
-            <a:r>
-              <a:rPr lang="ko-KR" altLang="en-US" dirty="0" smtClean="0"/>
-              <a:t>있도록 도와주는 시스템 </a:t>
-            </a:r>
-            <a:r>
-              <a:rPr lang="ko-KR" altLang="en-US" dirty="0" smtClean="0"/>
-              <a:t>구성요소</a:t>
+              <a:t>진료받을 수 </a:t>
+            </a:r>
+            <a:r>
+              <a:rPr lang="ko-KR" altLang="en-US" dirty="0" smtClean="0"/>
+              <a:t>있도록 도와주는 시스템 구성요소</a:t>
             </a:r>
             <a:endParaRPr lang="en-US" altLang="ko-KR" dirty="0"/>
           </a:p>
@@ -7838,11 +7815,7 @@
             </a:pPr>
             <a:r>
               <a:rPr lang="ko-KR" altLang="en-US" dirty="0" smtClean="0"/>
-              <a:t>간호사는 </a:t>
-            </a:r>
-            <a:r>
-              <a:rPr lang="ko-KR" altLang="en-US" dirty="0" smtClean="0"/>
-              <a:t>화상진료 날짜를 예약할 수 있고 의사는 환자가 주기적으로 측정한 혈압</a:t>
+              <a:t>간호사는 화상진료 날짜를 예약할 수 있고 의사는 환자가 주기적으로 측정한 혈압</a:t>
             </a:r>
             <a:r>
               <a:rPr lang="en-US" altLang="ko-KR" dirty="0" smtClean="0"/>
@@ -7850,11 +7823,7 @@
             </a:r>
             <a:r>
               <a:rPr lang="ko-KR" altLang="en-US" dirty="0" smtClean="0"/>
-              <a:t>혈당 수치를 확인하면서 진료가 </a:t>
-            </a:r>
-            <a:r>
-              <a:rPr lang="ko-KR" altLang="en-US" dirty="0" smtClean="0"/>
-              <a:t>가능</a:t>
+              <a:t>혈당 수치를 확인하면서 진료가 가능</a:t>
             </a:r>
             <a:endParaRPr lang="ko-KR" altLang="en-US" dirty="0"/>
           </a:p>
@@ -7912,12 +7881,16 @@
               <a:t>측정 관리</a:t>
             </a:r>
             <a:r>
-              <a:rPr lang="en-US" altLang="ko-KR" dirty="0" smtClean="0"/>
+              <a:rPr lang="en-US" altLang="ko-KR" smtClean="0"/>
               <a:t>, </a:t>
             </a:r>
             <a:r>
-              <a:rPr lang="ko-KR" altLang="en-US" dirty="0" smtClean="0"/>
-              <a:t>보건복지부에서 확인 가능한 통계 메뉴 개발</a:t>
+              <a:rPr lang="ko-KR" altLang="en-US" smtClean="0"/>
+              <a:t>관리자가 </a:t>
+            </a:r>
+            <a:r>
+              <a:rPr lang="ko-KR" altLang="en-US" dirty="0" smtClean="0"/>
+              <a:t>확인 가능한 통계 메뉴 개발</a:t>
             </a:r>
             <a:endParaRPr lang="ko-KR" altLang="en-US" dirty="0"/>
           </a:p>
@@ -8317,23 +8290,31 @@
             </a:r>
             <a:r>
               <a:rPr lang="ko-KR" altLang="en-US" dirty="0" smtClean="0"/>
-              <a:t> 혈압기와 </a:t>
-            </a:r>
-            <a:r>
-              <a:rPr lang="ko-KR" altLang="en-US" dirty="0" err="1" smtClean="0"/>
-              <a:t>혈당기를</a:t>
-            </a:r>
-            <a:r>
-              <a:rPr lang="ko-KR" altLang="en-US" dirty="0" smtClean="0"/>
-              <a:t> 이용해 환자가 주기적</a:t>
-            </a:r>
-            <a:r>
-              <a:rPr lang="en-US" altLang="ko-KR" dirty="0"/>
               <a:t> </a:t>
             </a:r>
             <a:r>
-              <a:rPr lang="ko-KR" altLang="en-US" dirty="0" smtClean="0"/>
-              <a:t>으로 혈압</a:t>
+              <a:rPr lang="ko-KR" altLang="en-US" smtClean="0"/>
+              <a:t>혈압기와 </a:t>
+            </a:r>
+            <a:r>
+              <a:rPr lang="en-US" altLang="ko-KR" smtClean="0"/>
+              <a:t>NFC </a:t>
+            </a:r>
+            <a:r>
+              <a:rPr lang="ko-KR" altLang="en-US" smtClean="0"/>
+              <a:t>혈당기를 </a:t>
+            </a:r>
+            <a:r>
+              <a:rPr lang="ko-KR" altLang="en-US" dirty="0" smtClean="0"/>
+              <a:t>이용해 </a:t>
+            </a:r>
+            <a:r>
+              <a:rPr lang="ko-KR" altLang="en-US" smtClean="0"/>
+              <a:t>환자가 주기적으로 </a:t>
+            </a:r>
+            <a:r>
+              <a:rPr lang="ko-KR" altLang="en-US" dirty="0" smtClean="0"/>
+              <a:t>혈압</a:t>
             </a:r>
             <a:r>
               <a:rPr lang="en-US" altLang="ko-KR" dirty="0" smtClean="0"/>
@@ -8351,14 +8332,18 @@
             </a:pPr>
             <a:r>
               <a:rPr lang="ko-KR" altLang="en-US" dirty="0" smtClean="0"/>
-              <a:t>측정한 데이터는 의사와 화상 </a:t>
-            </a:r>
-            <a:r>
-              <a:rPr lang="ko-KR" altLang="en-US" dirty="0" err="1" smtClean="0"/>
+              <a:t>측정한 데이터는 </a:t>
+            </a:r>
+            <a:r>
+              <a:rPr lang="ko-KR" altLang="en-US" smtClean="0"/>
+              <a:t>의사와 원격 </a:t>
+            </a:r>
+            <a:r>
+              <a:rPr lang="ko-KR" altLang="en-US" err="1" smtClean="0"/>
               <a:t>진료시</a:t>
             </a:r>
             <a:r>
-              <a:rPr lang="ko-KR" altLang="en-US" dirty="0" smtClean="0"/>
+              <a:rPr lang="ko-KR" altLang="en-US" smtClean="0"/>
               <a:t> 사용됨</a:t>
             </a:r>
             <a:endParaRPr lang="ko-KR" altLang="en-US" dirty="0"/>
@@ -8740,7 +8725,15 @@
           <a:p>
             <a:r>
               <a:rPr lang="ko-KR" altLang="en-US" dirty="0" smtClean="0"/>
-              <a:t>간호사가 환자 관리 및 화상진료 예약 시 사용하는 </a:t>
+              <a:t>간호사가 환자 관리 </a:t>
+            </a:r>
+            <a:r>
+              <a:rPr lang="ko-KR" altLang="en-US" smtClean="0"/>
+              <a:t>및 원격진료 </a:t>
+            </a:r>
+            <a:r>
+              <a:rPr lang="ko-KR" altLang="en-US" dirty="0" smtClean="0"/>
+              <a:t>예약 시 사용하는 </a:t>
             </a:r>
             <a:r>
               <a:rPr lang="ko-KR" altLang="en-US" dirty="0" err="1" smtClean="0"/>
@@ -8782,7 +8775,15 @@
             </a:r>
             <a:r>
               <a:rPr lang="ko-KR" altLang="en-US" dirty="0" smtClean="0"/>
-              <a:t>혈당 수치를 측정해주며 화상 진료 예약 시 사용</a:t>
+              <a:t>혈당 수치를 </a:t>
+            </a:r>
+            <a:r>
+              <a:rPr lang="ko-KR" altLang="en-US" smtClean="0"/>
+              <a:t>측정해주며 원격 </a:t>
+            </a:r>
+            <a:r>
+              <a:rPr lang="ko-KR" altLang="en-US" dirty="0" smtClean="0"/>
+              <a:t>진료 예약 시 사용</a:t>
             </a:r>
             <a:endParaRPr lang="en-US" altLang="ko-KR" dirty="0" smtClean="0"/>
           </a:p>
@@ -8792,7 +8793,11 @@
             </a:pPr>
             <a:r>
               <a:rPr lang="ko-KR" altLang="en-US" dirty="0" smtClean="0"/>
-              <a:t>측정한 데이터는 의사와 화상 </a:t>
+              <a:t>측정한 데이터는 </a:t>
+            </a:r>
+            <a:r>
+              <a:rPr lang="ko-KR" altLang="en-US" smtClean="0"/>
+              <a:t>의사와 원격 </a:t>
             </a:r>
             <a:r>
               <a:rPr lang="ko-KR" altLang="en-US" dirty="0" err="1" smtClean="0"/>
@@ -8800,11 +8805,7 @@
             </a:r>
             <a:r>
               <a:rPr lang="ko-KR" altLang="en-US" dirty="0" smtClean="0"/>
-              <a:t> </a:t>
-            </a:r>
-            <a:r>
-              <a:rPr lang="ko-KR" altLang="en-US" dirty="0" smtClean="0"/>
-              <a:t>사용됨</a:t>
+              <a:t> 사용됨</a:t>
             </a:r>
             <a:endParaRPr lang="en-US" altLang="ko-KR" dirty="0" smtClean="0"/>
           </a:p>
@@ -8865,11 +8866,7 @@
             </a:r>
             <a:r>
               <a:rPr lang="ko-KR" altLang="en-US" dirty="0" smtClean="0"/>
-              <a:t> 환자 관리 메뉴 </a:t>
-            </a:r>
-            <a:r>
-              <a:rPr lang="ko-KR" altLang="en-US" dirty="0" smtClean="0"/>
-              <a:t>개발 </a:t>
+              <a:t> 환자 관리 메뉴 개발 </a:t>
             </a:r>
             <a:r>
               <a:rPr lang="en-US" altLang="ko-KR" dirty="0" smtClean="0"/>
@@ -9287,11 +9284,7 @@
             </a:r>
             <a:r>
               <a:rPr lang="ko-KR" altLang="en-US" dirty="0" smtClean="0"/>
-              <a:t> 운동의 동영상을 보며 </a:t>
-            </a:r>
-            <a:r>
-              <a:rPr lang="ko-KR" altLang="en-US" dirty="0" smtClean="0"/>
-              <a:t>수행</a:t>
+              <a:t> 운동의 동영상을 보며 수행</a:t>
             </a:r>
             <a:endParaRPr lang="en-US" altLang="ko-KR" dirty="0" smtClean="0"/>
           </a:p>
@@ -9932,11 +9925,7 @@
             </a:r>
             <a:r>
               <a:rPr lang="ko-KR" altLang="en-US" dirty="0" smtClean="0"/>
-              <a:t>각 </a:t>
-            </a:r>
-            <a:r>
-              <a:rPr lang="ko-KR" altLang="en-US" dirty="0" smtClean="0"/>
-              <a:t>화면 </a:t>
+              <a:t>각 화면 </a:t>
             </a:r>
             <a:r>
               <a:rPr lang="ko-KR" altLang="en-US" dirty="0" err="1" smtClean="0"/>
@@ -11100,7 +11089,11 @@
             </a:r>
             <a:r>
               <a:rPr lang="ko-KR" altLang="en-US" dirty="0" smtClean="0"/>
-              <a:t>문서 받아서 연동</a:t>
+              <a:t>문서 </a:t>
+            </a:r>
+            <a:r>
+              <a:rPr lang="ko-KR" altLang="en-US" smtClean="0"/>
+              <a:t>받아서 데이터 통신</a:t>
             </a:r>
             <a:endParaRPr lang="ko-KR" altLang="en-US" dirty="0"/>
           </a:p>
